--- a/Wybrane algorytmy sortowania.pptx
+++ b/Wybrane algorytmy sortowania.pptx
@@ -204,7 +204,7 @@
           <a:p>
             <a:fld id="{152D7BD8-1931-4F40-9043-6992F7E8D1BB}" type="datetimeFigureOut">
               <a:rPr lang="pl-PL" smtClean="0"/>
-              <a:t>05.04.2025</a:t>
+              <a:t>06.04.2025</a:t>
             </a:fld>
             <a:endParaRPr lang="pl-PL"/>
           </a:p>
@@ -746,7 +746,7 @@
           <a:p>
             <a:fld id="{E36FFBD6-AE80-4CC7-A862-33E331E93B1A}" type="datetimeFigureOut">
               <a:rPr lang="pl-PL" smtClean="0"/>
-              <a:t>05.04.2025</a:t>
+              <a:t>06.04.2025</a:t>
             </a:fld>
             <a:endParaRPr lang="pl-PL"/>
           </a:p>
@@ -1044,7 +1044,7 @@
           <a:p>
             <a:fld id="{E36FFBD6-AE80-4CC7-A862-33E331E93B1A}" type="datetimeFigureOut">
               <a:rPr lang="pl-PL" smtClean="0"/>
-              <a:t>05.04.2025</a:t>
+              <a:t>06.04.2025</a:t>
             </a:fld>
             <a:endParaRPr lang="pl-PL"/>
           </a:p>
@@ -1236,7 +1236,7 @@
           <a:p>
             <a:fld id="{E36FFBD6-AE80-4CC7-A862-33E331E93B1A}" type="datetimeFigureOut">
               <a:rPr lang="pl-PL" smtClean="0"/>
-              <a:t>05.04.2025</a:t>
+              <a:t>06.04.2025</a:t>
             </a:fld>
             <a:endParaRPr lang="pl-PL"/>
           </a:p>
@@ -1497,7 +1497,7 @@
           <a:p>
             <a:fld id="{E36FFBD6-AE80-4CC7-A862-33E331E93B1A}" type="datetimeFigureOut">
               <a:rPr lang="pl-PL" smtClean="0"/>
-              <a:t>05.04.2025</a:t>
+              <a:t>06.04.2025</a:t>
             </a:fld>
             <a:endParaRPr lang="pl-PL"/>
           </a:p>
@@ -1921,7 +1921,7 @@
           <a:p>
             <a:fld id="{E36FFBD6-AE80-4CC7-A862-33E331E93B1A}" type="datetimeFigureOut">
               <a:rPr lang="pl-PL" smtClean="0"/>
-              <a:t>05.04.2025</a:t>
+              <a:t>06.04.2025</a:t>
             </a:fld>
             <a:endParaRPr lang="pl-PL"/>
           </a:p>
@@ -2458,7 +2458,7 @@
           <a:p>
             <a:fld id="{E36FFBD6-AE80-4CC7-A862-33E331E93B1A}" type="datetimeFigureOut">
               <a:rPr lang="pl-PL" smtClean="0"/>
-              <a:t>05.04.2025</a:t>
+              <a:t>06.04.2025</a:t>
             </a:fld>
             <a:endParaRPr lang="pl-PL"/>
           </a:p>
@@ -3322,7 +3322,7 @@
           <a:p>
             <a:fld id="{E36FFBD6-AE80-4CC7-A862-33E331E93B1A}" type="datetimeFigureOut">
               <a:rPr lang="pl-PL" smtClean="0"/>
-              <a:t>05.04.2025</a:t>
+              <a:t>06.04.2025</a:t>
             </a:fld>
             <a:endParaRPr lang="pl-PL"/>
           </a:p>
@@ -3492,7 +3492,7 @@
           <a:p>
             <a:fld id="{E36FFBD6-AE80-4CC7-A862-33E331E93B1A}" type="datetimeFigureOut">
               <a:rPr lang="pl-PL" smtClean="0"/>
-              <a:t>05.04.2025</a:t>
+              <a:t>06.04.2025</a:t>
             </a:fld>
             <a:endParaRPr lang="pl-PL"/>
           </a:p>
@@ -3676,7 +3676,7 @@
           <a:p>
             <a:fld id="{E36FFBD6-AE80-4CC7-A862-33E331E93B1A}" type="datetimeFigureOut">
               <a:rPr lang="pl-PL" smtClean="0"/>
-              <a:t>05.04.2025</a:t>
+              <a:t>06.04.2025</a:t>
             </a:fld>
             <a:endParaRPr lang="pl-PL"/>
           </a:p>
@@ -3846,7 +3846,7 @@
           <a:p>
             <a:fld id="{E36FFBD6-AE80-4CC7-A862-33E331E93B1A}" type="datetimeFigureOut">
               <a:rPr lang="pl-PL" smtClean="0"/>
-              <a:t>05.04.2025</a:t>
+              <a:t>06.04.2025</a:t>
             </a:fld>
             <a:endParaRPr lang="pl-PL"/>
           </a:p>
@@ -4090,7 +4090,7 @@
           <a:p>
             <a:fld id="{E36FFBD6-AE80-4CC7-A862-33E331E93B1A}" type="datetimeFigureOut">
               <a:rPr lang="pl-PL" smtClean="0"/>
-              <a:t>05.04.2025</a:t>
+              <a:t>06.04.2025</a:t>
             </a:fld>
             <a:endParaRPr lang="pl-PL"/>
           </a:p>
@@ -4326,7 +4326,7 @@
           <a:p>
             <a:fld id="{E36FFBD6-AE80-4CC7-A862-33E331E93B1A}" type="datetimeFigureOut">
               <a:rPr lang="pl-PL" smtClean="0"/>
-              <a:t>05.04.2025</a:t>
+              <a:t>06.04.2025</a:t>
             </a:fld>
             <a:endParaRPr lang="pl-PL"/>
           </a:p>
@@ -4792,7 +4792,7 @@
           <a:p>
             <a:fld id="{E36FFBD6-AE80-4CC7-A862-33E331E93B1A}" type="datetimeFigureOut">
               <a:rPr lang="pl-PL" smtClean="0"/>
-              <a:t>05.04.2025</a:t>
+              <a:t>06.04.2025</a:t>
             </a:fld>
             <a:endParaRPr lang="pl-PL"/>
           </a:p>
@@ -4910,7 +4910,7 @@
           <a:p>
             <a:fld id="{E36FFBD6-AE80-4CC7-A862-33E331E93B1A}" type="datetimeFigureOut">
               <a:rPr lang="pl-PL" smtClean="0"/>
-              <a:t>05.04.2025</a:t>
+              <a:t>06.04.2025</a:t>
             </a:fld>
             <a:endParaRPr lang="pl-PL"/>
           </a:p>
@@ -5005,7 +5005,7 @@
           <a:p>
             <a:fld id="{E36FFBD6-AE80-4CC7-A862-33E331E93B1A}" type="datetimeFigureOut">
               <a:rPr lang="pl-PL" smtClean="0"/>
-              <a:t>05.04.2025</a:t>
+              <a:t>06.04.2025</a:t>
             </a:fld>
             <a:endParaRPr lang="pl-PL"/>
           </a:p>
@@ -5260,7 +5260,7 @@
           <a:p>
             <a:fld id="{E36FFBD6-AE80-4CC7-A862-33E331E93B1A}" type="datetimeFigureOut">
               <a:rPr lang="pl-PL" smtClean="0"/>
-              <a:t>05.04.2025</a:t>
+              <a:t>06.04.2025</a:t>
             </a:fld>
             <a:endParaRPr lang="pl-PL"/>
           </a:p>
@@ -5560,7 +5560,7 @@
           <a:p>
             <a:fld id="{E36FFBD6-AE80-4CC7-A862-33E331E93B1A}" type="datetimeFigureOut">
               <a:rPr lang="pl-PL" smtClean="0"/>
-              <a:t>05.04.2025</a:t>
+              <a:t>06.04.2025</a:t>
             </a:fld>
             <a:endParaRPr lang="pl-PL"/>
           </a:p>
@@ -5794,7 +5794,7 @@
           <a:p>
             <a:fld id="{E36FFBD6-AE80-4CC7-A862-33E331E93B1A}" type="datetimeFigureOut">
               <a:rPr lang="pl-PL" smtClean="0"/>
-              <a:t>05.04.2025</a:t>
+              <a:t>06.04.2025</a:t>
             </a:fld>
             <a:endParaRPr lang="pl-PL"/>
           </a:p>
@@ -6921,8 +6921,8 @@
           </a:p>
         </p:txBody>
       </p:sp>
-      <mc:AlternateContent xmlns:mc="http://schemas.openxmlformats.org/markup-compatibility/2006">
-        <mc:Choice xmlns:a14="http://schemas.microsoft.com/office/drawing/2010/main" Requires="a14">
+      <mc:AlternateContent xmlns:mc="http://schemas.openxmlformats.org/markup-compatibility/2006" xmlns:a14="http://schemas.microsoft.com/office/drawing/2010/main">
+        <mc:Choice Requires="a14">
           <p:sp>
             <p:nvSpPr>
               <p:cNvPr id="3" name="Symbol zastępczy zawartości 2">
@@ -6991,7 +6991,7 @@
             </p:txBody>
           </p:sp>
         </mc:Choice>
-        <mc:Fallback>
+        <mc:Fallback xmlns="">
           <p:sp>
             <p:nvSpPr>
               <p:cNvPr id="3" name="Symbol zastępczy zawartości 2">
@@ -7155,8 +7155,8 @@
           </a:p>
         </p:txBody>
       </p:sp>
-      <mc:AlternateContent xmlns:mc="http://schemas.openxmlformats.org/markup-compatibility/2006">
-        <mc:Choice xmlns:a14="http://schemas.microsoft.com/office/drawing/2010/main" Requires="a14">
+      <mc:AlternateContent xmlns:mc="http://schemas.openxmlformats.org/markup-compatibility/2006" xmlns:a14="http://schemas.microsoft.com/office/drawing/2010/main">
+        <mc:Choice Requires="a14">
           <p:sp>
             <p:nvSpPr>
               <p:cNvPr id="3" name="Symbol zastępczy zawartości 2">
@@ -7225,7 +7225,7 @@
             </p:txBody>
           </p:sp>
         </mc:Choice>
-        <mc:Fallback>
+        <mc:Fallback xmlns="">
           <p:sp>
             <p:nvSpPr>
               <p:cNvPr id="3" name="Symbol zastępczy zawartości 2">
@@ -7577,8 +7577,8 @@
           </a:p>
         </p:txBody>
       </p:sp>
-      <mc:AlternateContent xmlns:mc="http://schemas.openxmlformats.org/markup-compatibility/2006">
-        <mc:Choice xmlns:a14="http://schemas.microsoft.com/office/drawing/2010/main" Requires="a14">
+      <mc:AlternateContent xmlns:mc="http://schemas.openxmlformats.org/markup-compatibility/2006" xmlns:a14="http://schemas.microsoft.com/office/drawing/2010/main">
+        <mc:Choice Requires="a14">
           <p:sp>
             <p:nvSpPr>
               <p:cNvPr id="3" name="Symbol zastępczy zawartości 2">
@@ -7650,7 +7650,7 @@
             </p:txBody>
           </p:sp>
         </mc:Choice>
-        <mc:Fallback>
+        <mc:Fallback xmlns="">
           <p:sp>
             <p:nvSpPr>
               <p:cNvPr id="3" name="Symbol zastępczy zawartości 2">
